--- a/Test powerpoint file.pptx
+++ b/Test powerpoint file.pptx
@@ -3134,8 +3134,14 @@
           <a:lstStyle/>
           <a:p>
             <a:r>
+              <a:rPr lang="en-CA" dirty="0" smtClean="0"/>
+              <a:t>Edit1</a:t>
+            </a:r>
+          </a:p>
+          <a:p>
+            <a:r>
               <a:rPr lang="en-CA" smtClean="0"/>
-              <a:t>Edit1</a:t>
+              <a:t>Edit2</a:t>
             </a:r>
             <a:endParaRPr lang="en-US" dirty="0"/>
           </a:p>

--- a/Test powerpoint file.pptx
+++ b/Test powerpoint file.pptx
@@ -3140,8 +3140,14 @@
           </a:p>
           <a:p>
             <a:r>
+              <a:rPr lang="en-CA" dirty="0" smtClean="0"/>
+              <a:t>Edit2</a:t>
+            </a:r>
+          </a:p>
+          <a:p>
+            <a:r>
               <a:rPr lang="en-CA" smtClean="0"/>
-              <a:t>Edit2</a:t>
+              <a:t>Edit3</a:t>
             </a:r>
             <a:endParaRPr lang="en-US" dirty="0"/>
           </a:p>
